--- a/muu.pptx
+++ b/muu.pptx
@@ -9,6 +9,7 @@
     <p:sldId id="258" r:id="rId3"/>
     <p:sldId id="259" r:id="rId4"/>
     <p:sldId id="257" r:id="rId5"/>
+    <p:sldId id="260" r:id="rId6"/>
   </p:sldIdLst>
   <p:sldSz cx="12192000" cy="6858000"/>
   <p:notesSz cx="6858000" cy="9144000"/>
@@ -5008,6 +5009,495 @@
 </p:sld>
 </file>
 
+<file path=ppt/slides/slide5.xml><?xml version="1.0" encoding="utf-8"?>
+<p:sld xmlns:a="http://schemas.openxmlformats.org/drawingml/2006/main" xmlns:r="http://schemas.openxmlformats.org/officeDocument/2006/relationships" xmlns:p="http://schemas.openxmlformats.org/presentationml/2006/main">
+  <p:cSld>
+    <p:spTree>
+      <p:nvGrpSpPr>
+        <p:cNvPr id="1" name=""/>
+        <p:cNvGrpSpPr/>
+        <p:nvPr/>
+      </p:nvGrpSpPr>
+      <p:grpSpPr>
+        <a:xfrm>
+          <a:off x="0" y="0"/>
+          <a:ext cx="0" cy="0"/>
+          <a:chOff x="0" y="0"/>
+          <a:chExt cx="0" cy="0"/>
+        </a:xfrm>
+      </p:grpSpPr>
+      <p:pic>
+        <p:nvPicPr>
+          <p:cNvPr id="4" name="図 3" descr="絵と文字の加工写真&#10;&#10;低い精度で自動的に生成された説明">
+            <a:extLst>
+              <a:ext uri="{FF2B5EF4-FFF2-40B4-BE49-F238E27FC236}">
+                <a16:creationId xmlns:a16="http://schemas.microsoft.com/office/drawing/2014/main" id="{505D95F8-CF4B-8FC0-5556-5A625AD48B99}"/>
+              </a:ext>
+            </a:extLst>
+          </p:cNvPr>
+          <p:cNvPicPr>
+            <a:picLocks noChangeAspect="1"/>
+          </p:cNvPicPr>
+          <p:nvPr/>
+        </p:nvPicPr>
+        <p:blipFill rotWithShape="1">
+          <a:blip r:embed="rId2">
+            <a:extLst>
+              <a:ext uri="{28A0092B-C50C-407E-A947-70E740481C1C}">
+                <a14:useLocalDpi xmlns:a14="http://schemas.microsoft.com/office/drawing/2010/main" val="0"/>
+              </a:ext>
+            </a:extLst>
+          </a:blip>
+          <a:srcRect l="9675" t="16078" r="-100" b="1829"/>
+          <a:stretch/>
+        </p:blipFill>
+        <p:spPr>
+          <a:xfrm>
+            <a:off x="4580964" y="396017"/>
+            <a:ext cx="3100207" cy="6094431"/>
+          </a:xfrm>
+          <a:prstGeom prst="rect">
+            <a:avLst/>
+          </a:prstGeom>
+        </p:spPr>
+      </p:pic>
+      <p:pic>
+        <p:nvPicPr>
+          <p:cNvPr id="5" name="図 4" descr="モニター画面に映る文字&#10;&#10;中程度の精度で自動的に生成された説明">
+            <a:extLst>
+              <a:ext uri="{FF2B5EF4-FFF2-40B4-BE49-F238E27FC236}">
+                <a16:creationId xmlns:a16="http://schemas.microsoft.com/office/drawing/2014/main" id="{3DA24AD6-0695-A6BE-90DE-B38A87F2B9F6}"/>
+              </a:ext>
+            </a:extLst>
+          </p:cNvPr>
+          <p:cNvPicPr>
+            <a:picLocks noChangeAspect="1"/>
+          </p:cNvPicPr>
+          <p:nvPr/>
+        </p:nvPicPr>
+        <p:blipFill>
+          <a:blip r:embed="rId3">
+            <a:extLst>
+              <a:ext uri="{28A0092B-C50C-407E-A947-70E740481C1C}">
+                <a14:useLocalDpi xmlns:a14="http://schemas.microsoft.com/office/drawing/2010/main" val="0"/>
+              </a:ext>
+            </a:extLst>
+          </a:blip>
+          <a:stretch>
+            <a:fillRect/>
+          </a:stretch>
+        </p:blipFill>
+        <p:spPr>
+          <a:xfrm>
+            <a:off x="4334439" y="89647"/>
+            <a:ext cx="3523119" cy="6858000"/>
+          </a:xfrm>
+          <a:prstGeom prst="rect">
+            <a:avLst/>
+          </a:prstGeom>
+        </p:spPr>
+      </p:pic>
+      <p:sp>
+        <p:nvSpPr>
+          <p:cNvPr id="6" name="楕円 5">
+            <a:extLst>
+              <a:ext uri="{FF2B5EF4-FFF2-40B4-BE49-F238E27FC236}">
+                <a16:creationId xmlns:a16="http://schemas.microsoft.com/office/drawing/2014/main" id="{5DF22407-4548-61E2-D159-FEA60E74B5FC}"/>
+              </a:ext>
+            </a:extLst>
+          </p:cNvPr>
+          <p:cNvSpPr/>
+          <p:nvPr/>
+        </p:nvSpPr>
+        <p:spPr>
+          <a:xfrm>
+            <a:off x="5664762" y="4265862"/>
+            <a:ext cx="1054942" cy="830451"/>
+          </a:xfrm>
+          <a:prstGeom prst="ellipse">
+            <a:avLst/>
+          </a:prstGeom>
+          <a:solidFill>
+            <a:schemeClr val="accent5">
+              <a:lumMod val="20000"/>
+              <a:lumOff val="80000"/>
+            </a:schemeClr>
+          </a:solidFill>
+          <a:ln>
+            <a:noFill/>
+          </a:ln>
+        </p:spPr>
+        <p:style>
+          <a:lnRef idx="2">
+            <a:schemeClr val="accent1">
+              <a:shade val="15000"/>
+            </a:schemeClr>
+          </a:lnRef>
+          <a:fillRef idx="1">
+            <a:schemeClr val="accent1"/>
+          </a:fillRef>
+          <a:effectRef idx="0">
+            <a:schemeClr val="accent1"/>
+          </a:effectRef>
+          <a:fontRef idx="minor">
+            <a:schemeClr val="lt1"/>
+          </a:fontRef>
+        </p:style>
+        <p:txBody>
+          <a:bodyPr rtlCol="0" anchor="ctr"/>
+          <a:lstStyle/>
+          <a:p>
+            <a:pPr algn="ctr"/>
+            <a:endParaRPr kumimoji="1" lang="ja-JP" altLang="en-US"/>
+          </a:p>
+        </p:txBody>
+      </p:sp>
+      <p:sp>
+        <p:nvSpPr>
+          <p:cNvPr id="7" name="テキスト ボックス 6">
+            <a:extLst>
+              <a:ext uri="{FF2B5EF4-FFF2-40B4-BE49-F238E27FC236}">
+                <a16:creationId xmlns:a16="http://schemas.microsoft.com/office/drawing/2014/main" id="{9504275E-39D7-F7C9-4B8B-1E43AEB2619C}"/>
+              </a:ext>
+            </a:extLst>
+          </p:cNvPr>
+          <p:cNvSpPr txBox="1"/>
+          <p:nvPr/>
+        </p:nvSpPr>
+        <p:spPr>
+          <a:xfrm>
+            <a:off x="5740827" y="4470540"/>
+            <a:ext cx="902811" cy="523220"/>
+          </a:xfrm>
+          <a:prstGeom prst="rect">
+            <a:avLst/>
+          </a:prstGeom>
+          <a:noFill/>
+        </p:spPr>
+        <p:txBody>
+          <a:bodyPr wrap="none" rtlCol="0">
+            <a:spAutoFit/>
+          </a:bodyPr>
+          <a:lstStyle/>
+          <a:p>
+            <a:r>
+              <a:rPr lang="ja-JP" altLang="en-US" sz="1400" b="1" dirty="0"/>
+              <a:t>自動移動</a:t>
+            </a:r>
+            <a:endParaRPr lang="en-US" altLang="ja-JP" sz="1400" b="1" dirty="0"/>
+          </a:p>
+          <a:p>
+            <a:r>
+              <a:rPr lang="ja-JP" altLang="en-US" sz="1400" b="1" dirty="0"/>
+              <a:t>モード</a:t>
+            </a:r>
+            <a:endParaRPr kumimoji="1" lang="ja-JP" altLang="en-US" sz="1400" b="1" dirty="0"/>
+          </a:p>
+        </p:txBody>
+      </p:sp>
+      <p:pic>
+        <p:nvPicPr>
+          <p:cNvPr id="8" name="図 7" descr="図形&#10;&#10;低い精度で自動的に生成された説明">
+            <a:extLst>
+              <a:ext uri="{FF2B5EF4-FFF2-40B4-BE49-F238E27FC236}">
+                <a16:creationId xmlns:a16="http://schemas.microsoft.com/office/drawing/2014/main" id="{2DD1585D-824B-71E1-B055-EDE61EDA0A11}"/>
+              </a:ext>
+            </a:extLst>
+          </p:cNvPr>
+          <p:cNvPicPr>
+            <a:picLocks noChangeAspect="1"/>
+          </p:cNvPicPr>
+          <p:nvPr/>
+        </p:nvPicPr>
+        <p:blipFill>
+          <a:blip r:embed="rId4">
+            <a:extLst>
+              <a:ext uri="{28A0092B-C50C-407E-A947-70E740481C1C}">
+                <a14:useLocalDpi xmlns:a14="http://schemas.microsoft.com/office/drawing/2010/main" val="0"/>
+              </a:ext>
+            </a:extLst>
+          </a:blip>
+          <a:stretch>
+            <a:fillRect/>
+          </a:stretch>
+        </p:blipFill>
+        <p:spPr>
+          <a:xfrm>
+            <a:off x="5567082" y="4132730"/>
+            <a:ext cx="1201272" cy="1075763"/>
+          </a:xfrm>
+          <a:prstGeom prst="rect">
+            <a:avLst/>
+          </a:prstGeom>
+        </p:spPr>
+      </p:pic>
+      <p:sp>
+        <p:nvSpPr>
+          <p:cNvPr id="9" name="楕円 8">
+            <a:extLst>
+              <a:ext uri="{FF2B5EF4-FFF2-40B4-BE49-F238E27FC236}">
+                <a16:creationId xmlns:a16="http://schemas.microsoft.com/office/drawing/2014/main" id="{9A3C5A74-D046-328B-F170-F75FB12CB8AD}"/>
+              </a:ext>
+            </a:extLst>
+          </p:cNvPr>
+          <p:cNvSpPr/>
+          <p:nvPr/>
+        </p:nvSpPr>
+        <p:spPr>
+          <a:xfrm>
+            <a:off x="7032934" y="4384643"/>
+            <a:ext cx="912817" cy="838200"/>
+          </a:xfrm>
+          <a:prstGeom prst="ellipse">
+            <a:avLst/>
+          </a:prstGeom>
+          <a:solidFill>
+            <a:schemeClr val="accent6">
+              <a:lumMod val="20000"/>
+              <a:lumOff val="80000"/>
+            </a:schemeClr>
+          </a:solidFill>
+          <a:ln>
+            <a:noFill/>
+          </a:ln>
+        </p:spPr>
+        <p:style>
+          <a:lnRef idx="2">
+            <a:schemeClr val="accent1">
+              <a:shade val="15000"/>
+            </a:schemeClr>
+          </a:lnRef>
+          <a:fillRef idx="1">
+            <a:schemeClr val="accent1"/>
+          </a:fillRef>
+          <a:effectRef idx="0">
+            <a:schemeClr val="accent1"/>
+          </a:effectRef>
+          <a:fontRef idx="minor">
+            <a:schemeClr val="lt1"/>
+          </a:fontRef>
+        </p:style>
+        <p:txBody>
+          <a:bodyPr rtlCol="0" anchor="ctr"/>
+          <a:lstStyle/>
+          <a:p>
+            <a:pPr algn="ctr"/>
+            <a:endParaRPr kumimoji="1" lang="ja-JP" altLang="en-US"/>
+          </a:p>
+        </p:txBody>
+      </p:sp>
+      <p:pic>
+        <p:nvPicPr>
+          <p:cNvPr id="10" name="図 9" descr="図形&#10;&#10;低い精度で自動的に生成された説明">
+            <a:extLst>
+              <a:ext uri="{FF2B5EF4-FFF2-40B4-BE49-F238E27FC236}">
+                <a16:creationId xmlns:a16="http://schemas.microsoft.com/office/drawing/2014/main" id="{025F4A95-32AA-0746-F4B6-026DA3609398}"/>
+              </a:ext>
+            </a:extLst>
+          </p:cNvPr>
+          <p:cNvPicPr>
+            <a:picLocks noChangeAspect="1"/>
+          </p:cNvPicPr>
+          <p:nvPr/>
+        </p:nvPicPr>
+        <p:blipFill>
+          <a:blip r:embed="rId4">
+            <a:extLst>
+              <a:ext uri="{28A0092B-C50C-407E-A947-70E740481C1C}">
+                <a14:useLocalDpi xmlns:a14="http://schemas.microsoft.com/office/drawing/2010/main" val="0"/>
+              </a:ext>
+            </a:extLst>
+          </a:blip>
+          <a:stretch>
+            <a:fillRect/>
+          </a:stretch>
+        </p:blipFill>
+        <p:spPr>
+          <a:xfrm flipH="1">
+            <a:off x="6961206" y="4265862"/>
+            <a:ext cx="1072741" cy="1075763"/>
+          </a:xfrm>
+          <a:prstGeom prst="rect">
+            <a:avLst/>
+          </a:prstGeom>
+        </p:spPr>
+      </p:pic>
+      <p:sp>
+        <p:nvSpPr>
+          <p:cNvPr id="11" name="テキスト ボックス 10">
+            <a:extLst>
+              <a:ext uri="{FF2B5EF4-FFF2-40B4-BE49-F238E27FC236}">
+                <a16:creationId xmlns:a16="http://schemas.microsoft.com/office/drawing/2014/main" id="{7AB051B5-4031-BB4C-AE12-C3866AF71174}"/>
+              </a:ext>
+            </a:extLst>
+          </p:cNvPr>
+          <p:cNvSpPr txBox="1"/>
+          <p:nvPr/>
+        </p:nvSpPr>
+        <p:spPr>
+          <a:xfrm>
+            <a:off x="7190410" y="4685983"/>
+            <a:ext cx="543739" cy="307777"/>
+          </a:xfrm>
+          <a:prstGeom prst="rect">
+            <a:avLst/>
+          </a:prstGeom>
+          <a:noFill/>
+        </p:spPr>
+        <p:txBody>
+          <a:bodyPr wrap="none" rtlCol="0">
+            <a:spAutoFit/>
+          </a:bodyPr>
+          <a:lstStyle/>
+          <a:p>
+            <a:r>
+              <a:rPr lang="ja-JP" altLang="en-US" sz="1400" b="1" dirty="0"/>
+              <a:t>進む</a:t>
+            </a:r>
+            <a:endParaRPr kumimoji="1" lang="ja-JP" altLang="en-US" sz="1400" b="1" dirty="0"/>
+          </a:p>
+        </p:txBody>
+      </p:sp>
+      <p:sp>
+        <p:nvSpPr>
+          <p:cNvPr id="12" name="楕円 11">
+            <a:extLst>
+              <a:ext uri="{FF2B5EF4-FFF2-40B4-BE49-F238E27FC236}">
+                <a16:creationId xmlns:a16="http://schemas.microsoft.com/office/drawing/2014/main" id="{8A0F6F0C-CE0D-9245-282A-56C20EB8A2F7}"/>
+              </a:ext>
+            </a:extLst>
+          </p:cNvPr>
+          <p:cNvSpPr/>
+          <p:nvPr/>
+        </p:nvSpPr>
+        <p:spPr>
+          <a:xfrm>
+            <a:off x="7038130" y="5623783"/>
+            <a:ext cx="912817" cy="838200"/>
+          </a:xfrm>
+          <a:prstGeom prst="ellipse">
+            <a:avLst/>
+          </a:prstGeom>
+          <a:solidFill>
+            <a:schemeClr val="accent6">
+              <a:lumMod val="20000"/>
+              <a:lumOff val="80000"/>
+            </a:schemeClr>
+          </a:solidFill>
+          <a:ln>
+            <a:noFill/>
+          </a:ln>
+        </p:spPr>
+        <p:style>
+          <a:lnRef idx="2">
+            <a:schemeClr val="accent1">
+              <a:shade val="15000"/>
+            </a:schemeClr>
+          </a:lnRef>
+          <a:fillRef idx="1">
+            <a:schemeClr val="accent1"/>
+          </a:fillRef>
+          <a:effectRef idx="0">
+            <a:schemeClr val="accent1"/>
+          </a:effectRef>
+          <a:fontRef idx="minor">
+            <a:schemeClr val="lt1"/>
+          </a:fontRef>
+        </p:style>
+        <p:txBody>
+          <a:bodyPr rtlCol="0" anchor="ctr"/>
+          <a:lstStyle/>
+          <a:p>
+            <a:pPr algn="ctr"/>
+            <a:endParaRPr kumimoji="1" lang="ja-JP" altLang="en-US"/>
+          </a:p>
+        </p:txBody>
+      </p:sp>
+      <p:pic>
+        <p:nvPicPr>
+          <p:cNvPr id="13" name="図 12" descr="図形&#10;&#10;低い精度で自動的に生成された説明">
+            <a:extLst>
+              <a:ext uri="{FF2B5EF4-FFF2-40B4-BE49-F238E27FC236}">
+                <a16:creationId xmlns:a16="http://schemas.microsoft.com/office/drawing/2014/main" id="{E66C89C3-4EFA-1255-6E30-94C2EBBCFB2D}"/>
+              </a:ext>
+            </a:extLst>
+          </p:cNvPr>
+          <p:cNvPicPr>
+            <a:picLocks noChangeAspect="1"/>
+          </p:cNvPicPr>
+          <p:nvPr/>
+        </p:nvPicPr>
+        <p:blipFill>
+          <a:blip r:embed="rId4">
+            <a:extLst>
+              <a:ext uri="{28A0092B-C50C-407E-A947-70E740481C1C}">
+                <a14:useLocalDpi xmlns:a14="http://schemas.microsoft.com/office/drawing/2010/main" val="0"/>
+              </a:ext>
+            </a:extLst>
+          </a:blip>
+          <a:stretch>
+            <a:fillRect/>
+          </a:stretch>
+        </p:blipFill>
+        <p:spPr>
+          <a:xfrm rot="7005275" flipH="1">
+            <a:off x="6966402" y="5505002"/>
+            <a:ext cx="1072741" cy="1075763"/>
+          </a:xfrm>
+          <a:prstGeom prst="rect">
+            <a:avLst/>
+          </a:prstGeom>
+        </p:spPr>
+      </p:pic>
+      <p:sp>
+        <p:nvSpPr>
+          <p:cNvPr id="14" name="テキスト ボックス 13">
+            <a:extLst>
+              <a:ext uri="{FF2B5EF4-FFF2-40B4-BE49-F238E27FC236}">
+                <a16:creationId xmlns:a16="http://schemas.microsoft.com/office/drawing/2014/main" id="{03C3E148-6FB4-7AFA-A848-811952458F4A}"/>
+              </a:ext>
+            </a:extLst>
+          </p:cNvPr>
+          <p:cNvSpPr txBox="1"/>
+          <p:nvPr/>
+        </p:nvSpPr>
+        <p:spPr>
+          <a:xfrm>
+            <a:off x="7231466" y="5898228"/>
+            <a:ext cx="543739" cy="307777"/>
+          </a:xfrm>
+          <a:prstGeom prst="rect">
+            <a:avLst/>
+          </a:prstGeom>
+          <a:noFill/>
+        </p:spPr>
+        <p:txBody>
+          <a:bodyPr wrap="none" rtlCol="0">
+            <a:spAutoFit/>
+          </a:bodyPr>
+          <a:lstStyle/>
+          <a:p>
+            <a:r>
+              <a:rPr lang="ja-JP" altLang="en-US" sz="1400" b="1" dirty="0"/>
+              <a:t>戻る</a:t>
+            </a:r>
+            <a:endParaRPr kumimoji="1" lang="ja-JP" altLang="en-US" sz="1400" b="1" dirty="0"/>
+          </a:p>
+        </p:txBody>
+      </p:sp>
+    </p:spTree>
+    <p:extLst>
+      <p:ext uri="{BB962C8B-B14F-4D97-AF65-F5344CB8AC3E}">
+        <p14:creationId xmlns:p14="http://schemas.microsoft.com/office/powerpoint/2010/main" val="4291016548"/>
+      </p:ext>
+    </p:extLst>
+  </p:cSld>
+  <p:clrMapOvr>
+    <a:masterClrMapping/>
+  </p:clrMapOvr>
+</p:sld>
+</file>
+
 <file path=ppt/theme/theme1.xml><?xml version="1.0" encoding="utf-8"?>
 <a:theme xmlns:a="http://schemas.openxmlformats.org/drawingml/2006/main" name="Office テーマ">
   <a:themeElements>
